--- a/content/security/latest/_attachments/security-apis-impl.pptx
+++ b/content/security/latest/_attachments/security-apis-impl.pptx
@@ -110,6 +110,22 @@
       </a:defRPr>
     </a:lvl9pPr>
   </p:defaultTextStyle>
+  <p:extLst>
+    <p:ext uri="{EFAFB233-063F-42B5-8137-9DF3F51BA10A}">
+      <p15:sldGuideLst xmlns:p15="http://schemas.microsoft.com/office/powerpoint/2012/main">
+        <p15:guide id="1" orient="horz" pos="2160">
+          <p15:clr>
+            <a:srgbClr val="A4A3A4"/>
+          </p15:clr>
+        </p15:guide>
+        <p15:guide id="2" pos="2880">
+          <p15:clr>
+            <a:srgbClr val="A4A3A4"/>
+          </p15:clr>
+        </p15:guide>
+      </p15:sldGuideLst>
+    </p:ext>
+  </p:extLst>
 </p:presentation>
 </file>
 
@@ -151,7 +167,7 @@
           <a:lstStyle/>
           <a:p>
             <a:r>
-              <a:rPr lang="en-US" smtClean="0"/>
+              <a:rPr lang="en-US"/>
               <a:t>Click to edit Master title style</a:t>
             </a:r>
             <a:endParaRPr lang="en-GB"/>
@@ -270,7 +286,7 @@
           </a:lstStyle>
           <a:p>
             <a:r>
-              <a:rPr lang="en-US" smtClean="0"/>
+              <a:rPr lang="en-US"/>
               <a:t>Click to edit Master subtitle style</a:t>
             </a:r>
             <a:endParaRPr lang="en-GB"/>
@@ -294,7 +310,7 @@
           <a:p>
             <a:fld id="{CD41148E-802E-43AD-A69B-111292313692}" type="datetimeFigureOut">
               <a:rPr lang="en-GB" smtClean="0"/>
-              <a:t>14/05/2015</a:t>
+              <a:t>12/03/2023</a:t>
             </a:fld>
             <a:endParaRPr lang="en-GB"/>
           </a:p>
@@ -388,7 +404,7 @@
           <a:lstStyle/>
           <a:p>
             <a:r>
-              <a:rPr lang="en-US" smtClean="0"/>
+              <a:rPr lang="en-US"/>
               <a:t>Click to edit Master title style</a:t>
             </a:r>
             <a:endParaRPr lang="en-GB"/>
@@ -412,35 +428,35 @@
           <a:p>
             <a:pPr lvl="0"/>
             <a:r>
-              <a:rPr lang="en-US" smtClean="0"/>
+              <a:rPr lang="en-US"/>
               <a:t>Click to edit Master text styles</a:t>
             </a:r>
           </a:p>
           <a:p>
             <a:pPr lvl="1"/>
             <a:r>
-              <a:rPr lang="en-US" smtClean="0"/>
+              <a:rPr lang="en-US"/>
               <a:t>Second level</a:t>
             </a:r>
           </a:p>
           <a:p>
             <a:pPr lvl="2"/>
             <a:r>
-              <a:rPr lang="en-US" smtClean="0"/>
+              <a:rPr lang="en-US"/>
               <a:t>Third level</a:t>
             </a:r>
           </a:p>
           <a:p>
             <a:pPr lvl="3"/>
             <a:r>
-              <a:rPr lang="en-US" smtClean="0"/>
+              <a:rPr lang="en-US"/>
               <a:t>Fourth level</a:t>
             </a:r>
           </a:p>
           <a:p>
             <a:pPr lvl="4"/>
             <a:r>
-              <a:rPr lang="en-US" smtClean="0"/>
+              <a:rPr lang="en-US"/>
               <a:t>Fifth level</a:t>
             </a:r>
             <a:endParaRPr lang="en-GB"/>
@@ -464,7 +480,7 @@
           <a:p>
             <a:fld id="{CD41148E-802E-43AD-A69B-111292313692}" type="datetimeFigureOut">
               <a:rPr lang="en-GB" smtClean="0"/>
-              <a:t>14/05/2015</a:t>
+              <a:t>12/03/2023</a:t>
             </a:fld>
             <a:endParaRPr lang="en-GB"/>
           </a:p>
@@ -563,7 +579,7 @@
           <a:lstStyle/>
           <a:p>
             <a:r>
-              <a:rPr lang="en-US" smtClean="0"/>
+              <a:rPr lang="en-US"/>
               <a:t>Click to edit Master title style</a:t>
             </a:r>
             <a:endParaRPr lang="en-GB"/>
@@ -592,35 +608,35 @@
           <a:p>
             <a:pPr lvl="0"/>
             <a:r>
-              <a:rPr lang="en-US" smtClean="0"/>
+              <a:rPr lang="en-US"/>
               <a:t>Click to edit Master text styles</a:t>
             </a:r>
           </a:p>
           <a:p>
             <a:pPr lvl="1"/>
             <a:r>
-              <a:rPr lang="en-US" smtClean="0"/>
+              <a:rPr lang="en-US"/>
               <a:t>Second level</a:t>
             </a:r>
           </a:p>
           <a:p>
             <a:pPr lvl="2"/>
             <a:r>
-              <a:rPr lang="en-US" smtClean="0"/>
+              <a:rPr lang="en-US"/>
               <a:t>Third level</a:t>
             </a:r>
           </a:p>
           <a:p>
             <a:pPr lvl="3"/>
             <a:r>
-              <a:rPr lang="en-US" smtClean="0"/>
+              <a:rPr lang="en-US"/>
               <a:t>Fourth level</a:t>
             </a:r>
           </a:p>
           <a:p>
             <a:pPr lvl="4"/>
             <a:r>
-              <a:rPr lang="en-US" smtClean="0"/>
+              <a:rPr lang="en-US"/>
               <a:t>Fifth level</a:t>
             </a:r>
             <a:endParaRPr lang="en-GB"/>
@@ -644,7 +660,7 @@
           <a:p>
             <a:fld id="{CD41148E-802E-43AD-A69B-111292313692}" type="datetimeFigureOut">
               <a:rPr lang="en-GB" smtClean="0"/>
-              <a:t>14/05/2015</a:t>
+              <a:t>12/03/2023</a:t>
             </a:fld>
             <a:endParaRPr lang="en-GB"/>
           </a:p>
@@ -738,7 +754,7 @@
           <a:lstStyle/>
           <a:p>
             <a:r>
-              <a:rPr lang="en-US" smtClean="0"/>
+              <a:rPr lang="en-US"/>
               <a:t>Click to edit Master title style</a:t>
             </a:r>
             <a:endParaRPr lang="en-GB"/>
@@ -762,35 +778,35 @@
           <a:p>
             <a:pPr lvl="0"/>
             <a:r>
-              <a:rPr lang="en-US" smtClean="0"/>
+              <a:rPr lang="en-US"/>
               <a:t>Click to edit Master text styles</a:t>
             </a:r>
           </a:p>
           <a:p>
             <a:pPr lvl="1"/>
             <a:r>
-              <a:rPr lang="en-US" smtClean="0"/>
+              <a:rPr lang="en-US"/>
               <a:t>Second level</a:t>
             </a:r>
           </a:p>
           <a:p>
             <a:pPr lvl="2"/>
             <a:r>
-              <a:rPr lang="en-US" smtClean="0"/>
+              <a:rPr lang="en-US"/>
               <a:t>Third level</a:t>
             </a:r>
           </a:p>
           <a:p>
             <a:pPr lvl="3"/>
             <a:r>
-              <a:rPr lang="en-US" smtClean="0"/>
+              <a:rPr lang="en-US"/>
               <a:t>Fourth level</a:t>
             </a:r>
           </a:p>
           <a:p>
             <a:pPr lvl="4"/>
             <a:r>
-              <a:rPr lang="en-US" smtClean="0"/>
+              <a:rPr lang="en-US"/>
               <a:t>Fifth level</a:t>
             </a:r>
             <a:endParaRPr lang="en-GB"/>
@@ -814,7 +830,7 @@
           <a:p>
             <a:fld id="{CD41148E-802E-43AD-A69B-111292313692}" type="datetimeFigureOut">
               <a:rPr lang="en-GB" smtClean="0"/>
-              <a:t>14/05/2015</a:t>
+              <a:t>12/03/2023</a:t>
             </a:fld>
             <a:endParaRPr lang="en-GB"/>
           </a:p>
@@ -917,7 +933,7 @@
           </a:lstStyle>
           <a:p>
             <a:r>
-              <a:rPr lang="en-US" smtClean="0"/>
+              <a:rPr lang="en-US"/>
               <a:t>Click to edit Master title style</a:t>
             </a:r>
             <a:endParaRPr lang="en-GB"/>
@@ -1037,7 +1053,7 @@
           <a:p>
             <a:pPr lvl="0"/>
             <a:r>
-              <a:rPr lang="en-US" smtClean="0"/>
+              <a:rPr lang="en-US"/>
               <a:t>Click to edit Master text styles</a:t>
             </a:r>
           </a:p>
@@ -1060,7 +1076,7 @@
           <a:p>
             <a:fld id="{CD41148E-802E-43AD-A69B-111292313692}" type="datetimeFigureOut">
               <a:rPr lang="en-GB" smtClean="0"/>
-              <a:t>14/05/2015</a:t>
+              <a:t>12/03/2023</a:t>
             </a:fld>
             <a:endParaRPr lang="en-GB"/>
           </a:p>
@@ -1154,7 +1170,7 @@
           <a:lstStyle/>
           <a:p>
             <a:r>
-              <a:rPr lang="en-US" smtClean="0"/>
+              <a:rPr lang="en-US"/>
               <a:t>Click to edit Master title style</a:t>
             </a:r>
             <a:endParaRPr lang="en-GB"/>
@@ -1211,35 +1227,35 @@
           <a:p>
             <a:pPr lvl="0"/>
             <a:r>
-              <a:rPr lang="en-US" smtClean="0"/>
+              <a:rPr lang="en-US"/>
               <a:t>Click to edit Master text styles</a:t>
             </a:r>
           </a:p>
           <a:p>
             <a:pPr lvl="1"/>
             <a:r>
-              <a:rPr lang="en-US" smtClean="0"/>
+              <a:rPr lang="en-US"/>
               <a:t>Second level</a:t>
             </a:r>
           </a:p>
           <a:p>
             <a:pPr lvl="2"/>
             <a:r>
-              <a:rPr lang="en-US" smtClean="0"/>
+              <a:rPr lang="en-US"/>
               <a:t>Third level</a:t>
             </a:r>
           </a:p>
           <a:p>
             <a:pPr lvl="3"/>
             <a:r>
-              <a:rPr lang="en-US" smtClean="0"/>
+              <a:rPr lang="en-US"/>
               <a:t>Fourth level</a:t>
             </a:r>
           </a:p>
           <a:p>
             <a:pPr lvl="4"/>
             <a:r>
-              <a:rPr lang="en-US" smtClean="0"/>
+              <a:rPr lang="en-US"/>
               <a:t>Fifth level</a:t>
             </a:r>
             <a:endParaRPr lang="en-GB"/>
@@ -1296,35 +1312,35 @@
           <a:p>
             <a:pPr lvl="0"/>
             <a:r>
-              <a:rPr lang="en-US" smtClean="0"/>
+              <a:rPr lang="en-US"/>
               <a:t>Click to edit Master text styles</a:t>
             </a:r>
           </a:p>
           <a:p>
             <a:pPr lvl="1"/>
             <a:r>
-              <a:rPr lang="en-US" smtClean="0"/>
+              <a:rPr lang="en-US"/>
               <a:t>Second level</a:t>
             </a:r>
           </a:p>
           <a:p>
             <a:pPr lvl="2"/>
             <a:r>
-              <a:rPr lang="en-US" smtClean="0"/>
+              <a:rPr lang="en-US"/>
               <a:t>Third level</a:t>
             </a:r>
           </a:p>
           <a:p>
             <a:pPr lvl="3"/>
             <a:r>
-              <a:rPr lang="en-US" smtClean="0"/>
+              <a:rPr lang="en-US"/>
               <a:t>Fourth level</a:t>
             </a:r>
           </a:p>
           <a:p>
             <a:pPr lvl="4"/>
             <a:r>
-              <a:rPr lang="en-US" smtClean="0"/>
+              <a:rPr lang="en-US"/>
               <a:t>Fifth level</a:t>
             </a:r>
             <a:endParaRPr lang="en-GB"/>
@@ -1348,7 +1364,7 @@
           <a:p>
             <a:fld id="{CD41148E-802E-43AD-A69B-111292313692}" type="datetimeFigureOut">
               <a:rPr lang="en-GB" smtClean="0"/>
-              <a:t>14/05/2015</a:t>
+              <a:t>12/03/2023</a:t>
             </a:fld>
             <a:endParaRPr lang="en-GB"/>
           </a:p>
@@ -1446,7 +1462,7 @@
           </a:lstStyle>
           <a:p>
             <a:r>
-              <a:rPr lang="en-US" smtClean="0"/>
+              <a:rPr lang="en-US"/>
               <a:t>Click to edit Master title style</a:t>
             </a:r>
             <a:endParaRPr lang="en-GB"/>
@@ -1512,7 +1528,7 @@
           <a:p>
             <a:pPr lvl="0"/>
             <a:r>
-              <a:rPr lang="en-US" smtClean="0"/>
+              <a:rPr lang="en-US"/>
               <a:t>Click to edit Master text styles</a:t>
             </a:r>
           </a:p>
@@ -1568,35 +1584,35 @@
           <a:p>
             <a:pPr lvl="0"/>
             <a:r>
-              <a:rPr lang="en-US" smtClean="0"/>
+              <a:rPr lang="en-US"/>
               <a:t>Click to edit Master text styles</a:t>
             </a:r>
           </a:p>
           <a:p>
             <a:pPr lvl="1"/>
             <a:r>
-              <a:rPr lang="en-US" smtClean="0"/>
+              <a:rPr lang="en-US"/>
               <a:t>Second level</a:t>
             </a:r>
           </a:p>
           <a:p>
             <a:pPr lvl="2"/>
             <a:r>
-              <a:rPr lang="en-US" smtClean="0"/>
+              <a:rPr lang="en-US"/>
               <a:t>Third level</a:t>
             </a:r>
           </a:p>
           <a:p>
             <a:pPr lvl="3"/>
             <a:r>
-              <a:rPr lang="en-US" smtClean="0"/>
+              <a:rPr lang="en-US"/>
               <a:t>Fourth level</a:t>
             </a:r>
           </a:p>
           <a:p>
             <a:pPr lvl="4"/>
             <a:r>
-              <a:rPr lang="en-US" smtClean="0"/>
+              <a:rPr lang="en-US"/>
               <a:t>Fifth level</a:t>
             </a:r>
             <a:endParaRPr lang="en-GB"/>
@@ -1662,7 +1678,7 @@
           <a:p>
             <a:pPr lvl="0"/>
             <a:r>
-              <a:rPr lang="en-US" smtClean="0"/>
+              <a:rPr lang="en-US"/>
               <a:t>Click to edit Master text styles</a:t>
             </a:r>
           </a:p>
@@ -1718,35 +1734,35 @@
           <a:p>
             <a:pPr lvl="0"/>
             <a:r>
-              <a:rPr lang="en-US" smtClean="0"/>
+              <a:rPr lang="en-US"/>
               <a:t>Click to edit Master text styles</a:t>
             </a:r>
           </a:p>
           <a:p>
             <a:pPr lvl="1"/>
             <a:r>
-              <a:rPr lang="en-US" smtClean="0"/>
+              <a:rPr lang="en-US"/>
               <a:t>Second level</a:t>
             </a:r>
           </a:p>
           <a:p>
             <a:pPr lvl="2"/>
             <a:r>
-              <a:rPr lang="en-US" smtClean="0"/>
+              <a:rPr lang="en-US"/>
               <a:t>Third level</a:t>
             </a:r>
           </a:p>
           <a:p>
             <a:pPr lvl="3"/>
             <a:r>
-              <a:rPr lang="en-US" smtClean="0"/>
+              <a:rPr lang="en-US"/>
               <a:t>Fourth level</a:t>
             </a:r>
           </a:p>
           <a:p>
             <a:pPr lvl="4"/>
             <a:r>
-              <a:rPr lang="en-US" smtClean="0"/>
+              <a:rPr lang="en-US"/>
               <a:t>Fifth level</a:t>
             </a:r>
             <a:endParaRPr lang="en-GB"/>
@@ -1770,7 +1786,7 @@
           <a:p>
             <a:fld id="{CD41148E-802E-43AD-A69B-111292313692}" type="datetimeFigureOut">
               <a:rPr lang="en-GB" smtClean="0"/>
-              <a:t>14/05/2015</a:t>
+              <a:t>12/03/2023</a:t>
             </a:fld>
             <a:endParaRPr lang="en-GB"/>
           </a:p>
@@ -1864,7 +1880,7 @@
           <a:lstStyle/>
           <a:p>
             <a:r>
-              <a:rPr lang="en-US" smtClean="0"/>
+              <a:rPr lang="en-US"/>
               <a:t>Click to edit Master title style</a:t>
             </a:r>
             <a:endParaRPr lang="en-GB"/>
@@ -1888,7 +1904,7 @@
           <a:p>
             <a:fld id="{CD41148E-802E-43AD-A69B-111292313692}" type="datetimeFigureOut">
               <a:rPr lang="en-GB" smtClean="0"/>
-              <a:t>14/05/2015</a:t>
+              <a:t>12/03/2023</a:t>
             </a:fld>
             <a:endParaRPr lang="en-GB"/>
           </a:p>
@@ -1983,7 +1999,7 @@
           <a:p>
             <a:fld id="{CD41148E-802E-43AD-A69B-111292313692}" type="datetimeFigureOut">
               <a:rPr lang="en-GB" smtClean="0"/>
-              <a:t>14/05/2015</a:t>
+              <a:t>12/03/2023</a:t>
             </a:fld>
             <a:endParaRPr lang="en-GB"/>
           </a:p>
@@ -2086,7 +2102,7 @@
           </a:lstStyle>
           <a:p>
             <a:r>
-              <a:rPr lang="en-US" smtClean="0"/>
+              <a:rPr lang="en-US"/>
               <a:t>Click to edit Master title style</a:t>
             </a:r>
             <a:endParaRPr lang="en-GB"/>
@@ -2143,35 +2159,35 @@
           <a:p>
             <a:pPr lvl="0"/>
             <a:r>
-              <a:rPr lang="en-US" smtClean="0"/>
+              <a:rPr lang="en-US"/>
               <a:t>Click to edit Master text styles</a:t>
             </a:r>
           </a:p>
           <a:p>
             <a:pPr lvl="1"/>
             <a:r>
-              <a:rPr lang="en-US" smtClean="0"/>
+              <a:rPr lang="en-US"/>
               <a:t>Second level</a:t>
             </a:r>
           </a:p>
           <a:p>
             <a:pPr lvl="2"/>
             <a:r>
-              <a:rPr lang="en-US" smtClean="0"/>
+              <a:rPr lang="en-US"/>
               <a:t>Third level</a:t>
             </a:r>
           </a:p>
           <a:p>
             <a:pPr lvl="3"/>
             <a:r>
-              <a:rPr lang="en-US" smtClean="0"/>
+              <a:rPr lang="en-US"/>
               <a:t>Fourth level</a:t>
             </a:r>
           </a:p>
           <a:p>
             <a:pPr lvl="4"/>
             <a:r>
-              <a:rPr lang="en-US" smtClean="0"/>
+              <a:rPr lang="en-US"/>
               <a:t>Fifth level</a:t>
             </a:r>
             <a:endParaRPr lang="en-GB"/>
@@ -2237,7 +2253,7 @@
           <a:p>
             <a:pPr lvl="0"/>
             <a:r>
-              <a:rPr lang="en-US" smtClean="0"/>
+              <a:rPr lang="en-US"/>
               <a:t>Click to edit Master text styles</a:t>
             </a:r>
           </a:p>
@@ -2260,7 +2276,7 @@
           <a:p>
             <a:fld id="{CD41148E-802E-43AD-A69B-111292313692}" type="datetimeFigureOut">
               <a:rPr lang="en-GB" smtClean="0"/>
-              <a:t>14/05/2015</a:t>
+              <a:t>12/03/2023</a:t>
             </a:fld>
             <a:endParaRPr lang="en-GB"/>
           </a:p>
@@ -2363,7 +2379,7 @@
           </a:lstStyle>
           <a:p>
             <a:r>
-              <a:rPr lang="en-US" smtClean="0"/>
+              <a:rPr lang="en-US"/>
               <a:t>Click to edit Master title style</a:t>
             </a:r>
             <a:endParaRPr lang="en-GB"/>
@@ -2490,7 +2506,7 @@
           <a:p>
             <a:pPr lvl="0"/>
             <a:r>
-              <a:rPr lang="en-US" smtClean="0"/>
+              <a:rPr lang="en-US"/>
               <a:t>Click to edit Master text styles</a:t>
             </a:r>
           </a:p>
@@ -2513,7 +2529,7 @@
           <a:p>
             <a:fld id="{CD41148E-802E-43AD-A69B-111292313692}" type="datetimeFigureOut">
               <a:rPr lang="en-GB" smtClean="0"/>
-              <a:t>14/05/2015</a:t>
+              <a:t>12/03/2023</a:t>
             </a:fld>
             <a:endParaRPr lang="en-GB"/>
           </a:p>
@@ -2622,7 +2638,7 @@
           <a:lstStyle/>
           <a:p>
             <a:r>
-              <a:rPr lang="en-US" smtClean="0"/>
+              <a:rPr lang="en-US"/>
               <a:t>Click to edit Master title style</a:t>
             </a:r>
             <a:endParaRPr lang="en-GB"/>
@@ -2656,35 +2672,35 @@
           <a:p>
             <a:pPr lvl="0"/>
             <a:r>
-              <a:rPr lang="en-US" smtClean="0"/>
+              <a:rPr lang="en-US"/>
               <a:t>Click to edit Master text styles</a:t>
             </a:r>
           </a:p>
           <a:p>
             <a:pPr lvl="1"/>
             <a:r>
-              <a:rPr lang="en-US" smtClean="0"/>
+              <a:rPr lang="en-US"/>
               <a:t>Second level</a:t>
             </a:r>
           </a:p>
           <a:p>
             <a:pPr lvl="2"/>
             <a:r>
-              <a:rPr lang="en-US" smtClean="0"/>
+              <a:rPr lang="en-US"/>
               <a:t>Third level</a:t>
             </a:r>
           </a:p>
           <a:p>
             <a:pPr lvl="3"/>
             <a:r>
-              <a:rPr lang="en-US" smtClean="0"/>
+              <a:rPr lang="en-US"/>
               <a:t>Fourth level</a:t>
             </a:r>
           </a:p>
           <a:p>
             <a:pPr lvl="4"/>
             <a:r>
-              <a:rPr lang="en-US" smtClean="0"/>
+              <a:rPr lang="en-US"/>
               <a:t>Fifth level</a:t>
             </a:r>
             <a:endParaRPr lang="en-GB"/>
@@ -2726,7 +2742,7 @@
           <a:p>
             <a:fld id="{CD41148E-802E-43AD-A69B-111292313692}" type="datetimeFigureOut">
               <a:rPr lang="en-GB" smtClean="0"/>
-              <a:t>14/05/2015</a:t>
+              <a:t>12/03/2023</a:t>
             </a:fld>
             <a:endParaRPr lang="en-GB"/>
           </a:p>
@@ -3138,18 +3154,18 @@
           <a:p>
             <a:pPr algn="ctr"/>
             <a:r>
-              <a:rPr lang="en-GB" dirty="0" smtClean="0"/>
-              <a:t>Isis’</a:t>
+              <a:rPr lang="en-GB"/>
+              <a:t>Causeway’s</a:t>
             </a:r>
             <a:br>
-              <a:rPr lang="en-GB" dirty="0" smtClean="0"/>
+              <a:rPr lang="en-GB" dirty="0"/>
             </a:br>
             <a:r>
-              <a:rPr lang="en-GB" dirty="0" err="1" smtClean="0"/>
+              <a:rPr lang="en-GB" dirty="0" err="1"/>
               <a:t>AuthenticationManager</a:t>
             </a:r>
             <a:r>
-              <a:rPr lang="en-GB" dirty="0" smtClean="0"/>
+              <a:rPr lang="en-GB" dirty="0"/>
               <a:t> API</a:t>
             </a:r>
           </a:p>
@@ -3192,18 +3208,18 @@
           <a:p>
             <a:pPr algn="ctr"/>
             <a:r>
-              <a:rPr lang="en-GB" dirty="0" smtClean="0"/>
-              <a:t>Isis’</a:t>
+              <a:rPr lang="en-GB"/>
+              <a:t>Causeway’s</a:t>
             </a:r>
             <a:br>
-              <a:rPr lang="en-GB" dirty="0" smtClean="0"/>
+              <a:rPr lang="en-GB" dirty="0"/>
             </a:br>
             <a:r>
-              <a:rPr lang="en-GB" dirty="0" err="1" smtClean="0"/>
+              <a:rPr lang="en-GB" dirty="0" err="1"/>
               <a:t>AuthorizationManager</a:t>
             </a:r>
             <a:r>
-              <a:rPr lang="en-GB" dirty="0" smtClean="0"/>
+              <a:rPr lang="en-GB" dirty="0"/>
               <a:t> API</a:t>
             </a:r>
           </a:p>
@@ -3246,18 +3262,18 @@
           <a:p>
             <a:pPr algn="ctr"/>
             <a:r>
-              <a:rPr lang="en-GB" dirty="0" smtClean="0"/>
-              <a:t>Isis’</a:t>
+              <a:rPr lang="en-GB"/>
+              <a:t>Causeway’s</a:t>
             </a:r>
             <a:br>
-              <a:rPr lang="en-GB" dirty="0" smtClean="0"/>
+              <a:rPr lang="en-GB" dirty="0"/>
             </a:br>
             <a:r>
-              <a:rPr lang="en-GB" dirty="0" smtClean="0"/>
+              <a:rPr lang="en-GB" dirty="0"/>
               <a:t> </a:t>
             </a:r>
             <a:r>
-              <a:rPr lang="en-GB" dirty="0" err="1" smtClean="0"/>
+              <a:rPr lang="en-GB" dirty="0" err="1"/>
               <a:t>ShiroAuthenticatorOrAuthorizor</a:t>
             </a:r>
             <a:endParaRPr lang="en-GB" dirty="0"/>
@@ -3350,13 +3366,6 @@
   <p:clrMapOvr>
     <a:masterClrMapping/>
   </p:clrMapOvr>
-  <p:timing>
-    <p:tnLst>
-      <p:par>
-        <p:cTn id="1" dur="indefinite" restart="never" nodeType="tmRoot"/>
-      </p:par>
-    </p:tnLst>
-  </p:timing>
 </p:sld>
 </file>
 
@@ -3414,18 +3423,18 @@
           <a:p>
             <a:pPr algn="ctr"/>
             <a:r>
-              <a:rPr lang="en-GB" dirty="0" smtClean="0"/>
-              <a:t>Isis’</a:t>
+              <a:rPr lang="en-GB"/>
+              <a:t>Causeway’s</a:t>
             </a:r>
             <a:br>
-              <a:rPr lang="en-GB" dirty="0" smtClean="0"/>
+              <a:rPr lang="en-GB" dirty="0"/>
             </a:br>
             <a:r>
-              <a:rPr lang="en-GB" dirty="0" err="1" smtClean="0"/>
+              <a:rPr lang="en-GB" dirty="0" err="1"/>
               <a:t>AuthenticationManager</a:t>
             </a:r>
             <a:r>
-              <a:rPr lang="en-GB" dirty="0" smtClean="0"/>
+              <a:rPr lang="en-GB" dirty="0"/>
               <a:t> API</a:t>
             </a:r>
           </a:p>
@@ -3468,18 +3477,18 @@
           <a:p>
             <a:pPr algn="ctr"/>
             <a:r>
-              <a:rPr lang="en-GB" dirty="0" smtClean="0"/>
-              <a:t>Isis’</a:t>
+              <a:rPr lang="en-GB"/>
+              <a:t>Causeway’s</a:t>
             </a:r>
             <a:br>
-              <a:rPr lang="en-GB" dirty="0" smtClean="0"/>
+              <a:rPr lang="en-GB" dirty="0"/>
             </a:br>
             <a:r>
-              <a:rPr lang="en-GB" dirty="0" err="1" smtClean="0"/>
+              <a:rPr lang="en-GB" dirty="0" err="1"/>
               <a:t>AuthorizationManager</a:t>
             </a:r>
             <a:r>
-              <a:rPr lang="en-GB" dirty="0" smtClean="0"/>
+              <a:rPr lang="en-GB" dirty="0"/>
               <a:t> API</a:t>
             </a:r>
           </a:p>
@@ -3522,21 +3531,16 @@
           <a:p>
             <a:pPr algn="ctr"/>
             <a:r>
-              <a:rPr lang="en-GB" dirty="0" err="1" smtClean="0"/>
+              <a:rPr lang="en-GB" dirty="0" err="1"/>
               <a:t>Shiro’s</a:t>
-            </a:r>
-            <a:r>
-              <a:rPr lang="en-GB" dirty="0"/>
-              <a:t/>
             </a:r>
             <a:br>
               <a:rPr lang="en-GB" dirty="0"/>
             </a:br>
             <a:r>
-              <a:rPr lang="en-GB" dirty="0" smtClean="0"/>
+              <a:rPr lang="en-GB" dirty="0"/>
               <a:t>Realm API</a:t>
             </a:r>
-            <a:endParaRPr lang="en-GB" dirty="0"/>
           </a:p>
         </p:txBody>
       </p:sp>
@@ -3577,26 +3581,22 @@
           <a:p>
             <a:pPr algn="ctr"/>
             <a:r>
-              <a:rPr lang="en-GB" dirty="0" err="1" smtClean="0"/>
+              <a:rPr lang="en-GB" dirty="0" err="1"/>
               <a:t>Shiro’s</a:t>
             </a:r>
-            <a:r>
-              <a:rPr lang="en-GB" dirty="0" smtClean="0"/>
-              <a:t/>
-            </a:r>
             <a:br>
-              <a:rPr lang="en-GB" dirty="0" smtClean="0"/>
+              <a:rPr lang="en-GB" dirty="0"/>
             </a:br>
             <a:r>
-              <a:rPr lang="en-GB" dirty="0" err="1" smtClean="0"/>
+              <a:rPr lang="en-GB" dirty="0" err="1"/>
               <a:t>IniRealm</a:t>
             </a:r>
             <a:r>
-              <a:rPr lang="en-GB" dirty="0" smtClean="0"/>
+              <a:rPr lang="en-GB" dirty="0"/>
               <a:t> </a:t>
             </a:r>
             <a:r>
-              <a:rPr lang="en-GB" dirty="0" err="1" smtClean="0"/>
+              <a:rPr lang="en-GB" dirty="0" err="1"/>
               <a:t>Impl</a:t>
             </a:r>
             <a:endParaRPr lang="en-GB" dirty="0"/>
@@ -3640,18 +3640,18 @@
           <a:p>
             <a:pPr algn="ctr"/>
             <a:r>
-              <a:rPr lang="en-GB" dirty="0" smtClean="0"/>
-              <a:t>Isis’</a:t>
+              <a:rPr lang="en-GB"/>
+              <a:t>Causeway’s</a:t>
             </a:r>
             <a:br>
-              <a:rPr lang="en-GB" dirty="0" smtClean="0"/>
+              <a:rPr lang="en-GB" dirty="0"/>
             </a:br>
             <a:r>
-              <a:rPr lang="en-GB" dirty="0" smtClean="0"/>
+              <a:rPr lang="en-GB" dirty="0"/>
               <a:t> </a:t>
             </a:r>
             <a:r>
-              <a:rPr lang="en-GB" dirty="0" err="1" smtClean="0"/>
+              <a:rPr lang="en-GB" dirty="0" err="1"/>
               <a:t>ShiroAuthenticatorOrAuthorizor</a:t>
             </a:r>
             <a:endParaRPr lang="en-GB" dirty="0"/>
@@ -3695,17 +3695,16 @@
           <a:p>
             <a:pPr algn="ctr"/>
             <a:r>
-              <a:rPr lang="en-GB" sz="1400" i="1" dirty="0" smtClean="0"/>
+              <a:rPr lang="en-GB" sz="1400" i="1" dirty="0"/>
               <a:t>&lt;&lt;request-scoped&gt;&gt;</a:t>
             </a:r>
             <a:br>
-              <a:rPr lang="en-GB" sz="1400" i="1" dirty="0" smtClean="0"/>
+              <a:rPr lang="en-GB" sz="1400" i="1" dirty="0"/>
             </a:br>
             <a:r>
-              <a:rPr lang="en-GB" dirty="0" smtClean="0"/>
+              <a:rPr lang="en-GB" dirty="0"/>
               <a:t>Subject</a:t>
             </a:r>
-            <a:endParaRPr lang="en-GB" dirty="0"/>
           </a:p>
         </p:txBody>
       </p:sp>
@@ -3744,10 +3743,9 @@
           <a:p>
             <a:pPr algn="ctr"/>
             <a:r>
-              <a:rPr lang="en-GB" dirty="0" smtClean="0"/>
+              <a:rPr lang="en-GB" dirty="0"/>
               <a:t>WEBINF/shiro.ini</a:t>
             </a:r>
-            <a:endParaRPr lang="en-GB" dirty="0"/>
           </a:p>
         </p:txBody>
       </p:sp>
@@ -3995,13 +3993,6 @@
   <p:clrMapOvr>
     <a:masterClrMapping/>
   </p:clrMapOvr>
-  <p:timing>
-    <p:tnLst>
-      <p:par>
-        <p:cTn id="1" dur="indefinite" restart="never" nodeType="tmRoot"/>
-      </p:par>
-    </p:tnLst>
-  </p:timing>
 </p:sld>
 </file>
 
@@ -4059,18 +4050,18 @@
           <a:p>
             <a:pPr algn="ctr"/>
             <a:r>
-              <a:rPr lang="en-GB" dirty="0" smtClean="0"/>
-              <a:t>Isis’</a:t>
+              <a:rPr lang="en-GB"/>
+              <a:t>Causeway’s</a:t>
             </a:r>
             <a:br>
-              <a:rPr lang="en-GB" dirty="0" smtClean="0"/>
+              <a:rPr lang="en-GB" dirty="0"/>
             </a:br>
             <a:r>
-              <a:rPr lang="en-GB" dirty="0" err="1" smtClean="0"/>
+              <a:rPr lang="en-GB" dirty="0" err="1"/>
               <a:t>AuthenticationManager</a:t>
             </a:r>
             <a:r>
-              <a:rPr lang="en-GB" dirty="0" smtClean="0"/>
+              <a:rPr lang="en-GB" dirty="0"/>
               <a:t> API</a:t>
             </a:r>
           </a:p>
@@ -4113,18 +4104,18 @@
           <a:p>
             <a:pPr algn="ctr"/>
             <a:r>
-              <a:rPr lang="en-GB" dirty="0" smtClean="0"/>
-              <a:t>Isis’</a:t>
+              <a:rPr lang="en-GB"/>
+              <a:t>Causeway’s</a:t>
             </a:r>
             <a:br>
-              <a:rPr lang="en-GB" dirty="0" smtClean="0"/>
+              <a:rPr lang="en-GB" dirty="0"/>
             </a:br>
             <a:r>
-              <a:rPr lang="en-GB" dirty="0" err="1" smtClean="0"/>
+              <a:rPr lang="en-GB" dirty="0" err="1"/>
               <a:t>AuthorizationManager</a:t>
             </a:r>
             <a:r>
-              <a:rPr lang="en-GB" dirty="0" smtClean="0"/>
+              <a:rPr lang="en-GB" dirty="0"/>
               <a:t> API</a:t>
             </a:r>
           </a:p>
@@ -4167,21 +4158,16 @@
           <a:p>
             <a:pPr algn="ctr"/>
             <a:r>
-              <a:rPr lang="en-GB" dirty="0" err="1" smtClean="0"/>
+              <a:rPr lang="en-GB" dirty="0" err="1"/>
               <a:t>Shiro’s</a:t>
-            </a:r>
-            <a:r>
-              <a:rPr lang="en-GB" dirty="0"/>
-              <a:t/>
             </a:r>
             <a:br>
               <a:rPr lang="en-GB" dirty="0"/>
             </a:br>
             <a:r>
-              <a:rPr lang="en-GB" dirty="0" smtClean="0"/>
+              <a:rPr lang="en-GB" dirty="0"/>
               <a:t>Realm API</a:t>
             </a:r>
-            <a:endParaRPr lang="en-GB" dirty="0"/>
           </a:p>
         </p:txBody>
       </p:sp>
@@ -4222,23 +4208,8 @@
           <a:p>
             <a:pPr algn="ctr"/>
             <a:r>
-              <a:rPr lang="en-GB" dirty="0" smtClean="0"/>
-              <a:t>Isis’</a:t>
-            </a:r>
-            <a:br>
-              <a:rPr lang="en-GB" dirty="0" smtClean="0"/>
-            </a:br>
-            <a:r>
-              <a:rPr lang="en-GB" dirty="0" err="1" smtClean="0"/>
-              <a:t>IsisLdapRealm</a:t>
-            </a:r>
-            <a:r>
-              <a:rPr lang="en-GB" dirty="0" smtClean="0"/>
-              <a:t> </a:t>
-            </a:r>
-            <a:r>
-              <a:rPr lang="en-GB" dirty="0" err="1" smtClean="0"/>
-              <a:t>Impl</a:t>
+              <a:rPr lang="en-GB"/>
+              <a:t>CausewayLdapRealm</a:t>
             </a:r>
             <a:endParaRPr lang="en-GB" dirty="0"/>
           </a:p>
@@ -4281,18 +4252,18 @@
           <a:p>
             <a:pPr algn="ctr"/>
             <a:r>
-              <a:rPr lang="en-GB" dirty="0" smtClean="0"/>
-              <a:t>Isis’</a:t>
+              <a:rPr lang="en-GB"/>
+              <a:t>Causeway’s</a:t>
             </a:r>
             <a:br>
-              <a:rPr lang="en-GB" dirty="0" smtClean="0"/>
+              <a:rPr lang="en-GB" dirty="0"/>
             </a:br>
             <a:r>
-              <a:rPr lang="en-GB" dirty="0" smtClean="0"/>
+              <a:rPr lang="en-GB" dirty="0"/>
               <a:t> </a:t>
             </a:r>
             <a:r>
-              <a:rPr lang="en-GB" dirty="0" err="1" smtClean="0"/>
+              <a:rPr lang="en-GB" dirty="0" err="1"/>
               <a:t>ShiroAuthenticatorOrAuthorizor</a:t>
             </a:r>
             <a:endParaRPr lang="en-GB" dirty="0"/>
@@ -4336,17 +4307,16 @@
           <a:p>
             <a:pPr algn="ctr"/>
             <a:r>
-              <a:rPr lang="en-GB" sz="1400" i="1" dirty="0" smtClean="0"/>
+              <a:rPr lang="en-GB" sz="1400" i="1" dirty="0"/>
               <a:t>&lt;&lt;request-scoped&gt;&gt;</a:t>
             </a:r>
             <a:br>
-              <a:rPr lang="en-GB" sz="1400" i="1" dirty="0" smtClean="0"/>
+              <a:rPr lang="en-GB" sz="1400" i="1" dirty="0"/>
             </a:br>
             <a:r>
-              <a:rPr lang="en-GB" dirty="0" smtClean="0"/>
+              <a:rPr lang="en-GB" dirty="0"/>
               <a:t>Subject</a:t>
             </a:r>
-            <a:endParaRPr lang="en-GB" dirty="0"/>
           </a:p>
         </p:txBody>
       </p:sp>
@@ -4426,10 +4396,9 @@
           <a:p>
             <a:pPr algn="ctr"/>
             <a:r>
-              <a:rPr lang="en-GB" dirty="0" smtClean="0"/>
+              <a:rPr lang="en-GB" dirty="0"/>
               <a:t>LDAP</a:t>
             </a:r>
-            <a:endParaRPr lang="en-GB" dirty="0"/>
           </a:p>
         </p:txBody>
       </p:sp>
@@ -4715,13 +4684,6 @@
   <p:clrMapOvr>
     <a:masterClrMapping/>
   </p:clrMapOvr>
-  <p:timing>
-    <p:tnLst>
-      <p:par>
-        <p:cTn id="1" dur="indefinite" restart="never" nodeType="tmRoot"/>
-      </p:par>
-    </p:tnLst>
-  </p:timing>
 </p:sld>
 </file>
 
@@ -4779,18 +4741,18 @@
           <a:p>
             <a:pPr algn="ctr"/>
             <a:r>
-              <a:rPr lang="en-GB" dirty="0" smtClean="0"/>
-              <a:t>Isis’</a:t>
+              <a:rPr lang="en-GB"/>
+              <a:t>Causeway’s</a:t>
             </a:r>
             <a:br>
-              <a:rPr lang="en-GB" dirty="0" smtClean="0"/>
+              <a:rPr lang="en-GB" dirty="0"/>
             </a:br>
             <a:r>
-              <a:rPr lang="en-GB" dirty="0" err="1" smtClean="0"/>
+              <a:rPr lang="en-GB" dirty="0" err="1"/>
               <a:t>AuthenticationManager</a:t>
             </a:r>
             <a:r>
-              <a:rPr lang="en-GB" dirty="0" smtClean="0"/>
+              <a:rPr lang="en-GB" dirty="0"/>
               <a:t> API</a:t>
             </a:r>
           </a:p>
@@ -4833,18 +4795,18 @@
           <a:p>
             <a:pPr algn="ctr"/>
             <a:r>
-              <a:rPr lang="en-GB" dirty="0" smtClean="0"/>
-              <a:t>Isis’</a:t>
+              <a:rPr lang="en-GB"/>
+              <a:t>Causeway’s</a:t>
             </a:r>
             <a:br>
-              <a:rPr lang="en-GB" dirty="0" smtClean="0"/>
+              <a:rPr lang="en-GB" dirty="0"/>
             </a:br>
             <a:r>
-              <a:rPr lang="en-GB" dirty="0" err="1" smtClean="0"/>
+              <a:rPr lang="en-GB" dirty="0" err="1"/>
               <a:t>AuthorizationManager</a:t>
             </a:r>
             <a:r>
-              <a:rPr lang="en-GB" dirty="0" smtClean="0"/>
+              <a:rPr lang="en-GB" dirty="0"/>
               <a:t> API</a:t>
             </a:r>
           </a:p>
@@ -4887,21 +4849,16 @@
           <a:p>
             <a:pPr algn="ctr"/>
             <a:r>
-              <a:rPr lang="en-GB" dirty="0" err="1" smtClean="0"/>
+              <a:rPr lang="en-GB" dirty="0" err="1"/>
               <a:t>Shiro’s</a:t>
-            </a:r>
-            <a:r>
-              <a:rPr lang="en-GB" dirty="0"/>
-              <a:t/>
             </a:r>
             <a:br>
               <a:rPr lang="en-GB" dirty="0"/>
             </a:br>
             <a:r>
-              <a:rPr lang="en-GB" dirty="0" smtClean="0"/>
+              <a:rPr lang="en-GB" dirty="0"/>
               <a:t>Realm API</a:t>
             </a:r>
-            <a:endParaRPr lang="en-GB" dirty="0"/>
           </a:p>
         </p:txBody>
       </p:sp>
@@ -4942,20 +4899,15 @@
           <a:p>
             <a:pPr algn="ctr"/>
             <a:r>
-              <a:rPr lang="en-GB" dirty="0" smtClean="0"/>
-              <a:t>Isis </a:t>
-            </a:r>
-            <a:r>
-              <a:rPr lang="en-GB" dirty="0" err="1" smtClean="0"/>
-              <a:t>Addons</a:t>
-            </a:r>
-            <a:r>
-              <a:rPr lang="en-GB" dirty="0" smtClean="0"/>
-              <a:t>’ </a:t>
-            </a:r>
-            <a:r>
-              <a:rPr lang="en-GB" dirty="0" err="1" smtClean="0"/>
-              <a:t>IsisModuleSecurityRealm</a:t>
+              <a:rPr lang="en-GB"/>
+              <a:t>CausewayModuleExtSecman</a:t>
+            </a:r>
+            <a:br>
+              <a:rPr lang="en-GB"/>
+            </a:br>
+            <a:r>
+              <a:rPr lang="en-GB"/>
+              <a:t>ShiroRealm</a:t>
             </a:r>
             <a:endParaRPr lang="en-GB" dirty="0"/>
           </a:p>
@@ -4998,18 +4950,18 @@
           <a:p>
             <a:pPr algn="ctr"/>
             <a:r>
-              <a:rPr lang="en-GB" dirty="0" smtClean="0"/>
-              <a:t>Isis’</a:t>
+              <a:rPr lang="en-GB"/>
+              <a:t>Causeway’s</a:t>
             </a:r>
             <a:br>
-              <a:rPr lang="en-GB" dirty="0" smtClean="0"/>
+              <a:rPr lang="en-GB" dirty="0"/>
             </a:br>
             <a:r>
-              <a:rPr lang="en-GB" dirty="0" smtClean="0"/>
+              <a:rPr lang="en-GB" dirty="0"/>
               <a:t> </a:t>
             </a:r>
             <a:r>
-              <a:rPr lang="en-GB" dirty="0" err="1" smtClean="0"/>
+              <a:rPr lang="en-GB" dirty="0" err="1"/>
               <a:t>ShiroAuthenticatorOrAuthorizor</a:t>
             </a:r>
             <a:endParaRPr lang="en-GB" dirty="0"/>
@@ -5053,17 +5005,16 @@
           <a:p>
             <a:pPr algn="ctr"/>
             <a:r>
-              <a:rPr lang="en-GB" sz="1400" i="1" dirty="0" smtClean="0"/>
+              <a:rPr lang="en-GB" sz="1400" i="1" dirty="0"/>
               <a:t>&lt;&lt;request-scoped&gt;&gt;</a:t>
             </a:r>
             <a:br>
-              <a:rPr lang="en-GB" sz="1400" i="1" dirty="0" smtClean="0"/>
+              <a:rPr lang="en-GB" sz="1400" i="1" dirty="0"/>
             </a:br>
             <a:r>
-              <a:rPr lang="en-GB" dirty="0" smtClean="0"/>
+              <a:rPr lang="en-GB" dirty="0"/>
               <a:t>Subject</a:t>
             </a:r>
-            <a:endParaRPr lang="en-GB" dirty="0"/>
           </a:p>
         </p:txBody>
       </p:sp>
@@ -5101,7 +5052,7 @@
           <a:lstStyle/>
           <a:p>
             <a:pPr algn="ctr"/>
-            <a:endParaRPr lang="en-GB" dirty="0" smtClean="0"/>
+            <a:endParaRPr lang="en-GB" dirty="0"/>
           </a:p>
         </p:txBody>
       </p:sp>
@@ -5128,10 +5079,9 @@
           <a:lstStyle/>
           <a:p>
             <a:r>
-              <a:rPr lang="en-GB" dirty="0" smtClean="0"/>
+              <a:rPr lang="en-GB" dirty="0"/>
               <a:t>RDBMS</a:t>
             </a:r>
-            <a:endParaRPr lang="en-GB" dirty="0"/>
           </a:p>
         </p:txBody>
       </p:sp>
@@ -5170,7 +5120,7 @@
           <a:p>
             <a:pPr algn="ctr"/>
             <a:r>
-              <a:rPr lang="en-GB" sz="1600" dirty="0" err="1" smtClean="0"/>
+              <a:rPr lang="en-GB" sz="1600" dirty="0" err="1"/>
               <a:t>Passwd</a:t>
             </a:r>
             <a:endParaRPr lang="en-GB" sz="1600" dirty="0"/>
@@ -5212,10 +5162,9 @@
           <a:p>
             <a:pPr algn="ctr"/>
             <a:r>
-              <a:rPr lang="en-GB" dirty="0" smtClean="0"/>
+              <a:rPr lang="en-GB" dirty="0"/>
               <a:t>User</a:t>
             </a:r>
-            <a:endParaRPr lang="en-GB" dirty="0"/>
           </a:p>
         </p:txBody>
       </p:sp>
@@ -5254,10 +5203,9 @@
           <a:p>
             <a:pPr algn="ctr"/>
             <a:r>
-              <a:rPr lang="en-GB" dirty="0" smtClean="0"/>
+              <a:rPr lang="en-GB" dirty="0"/>
               <a:t>Role</a:t>
             </a:r>
-            <a:endParaRPr lang="en-GB" dirty="0"/>
           </a:p>
         </p:txBody>
       </p:sp>
@@ -5296,10 +5244,9 @@
           <a:p>
             <a:pPr algn="ctr"/>
             <a:r>
-              <a:rPr lang="en-GB" dirty="0" smtClean="0"/>
+              <a:rPr lang="en-GB" dirty="0"/>
               <a:t>Perms</a:t>
             </a:r>
-            <a:endParaRPr lang="en-GB" dirty="0"/>
           </a:p>
         </p:txBody>
       </p:sp>
@@ -5547,13 +5494,6 @@
   <p:clrMapOvr>
     <a:masterClrMapping/>
   </p:clrMapOvr>
-  <p:timing>
-    <p:tnLst>
-      <p:par>
-        <p:cTn id="1" dur="indefinite" restart="never" nodeType="tmRoot"/>
-      </p:par>
-    </p:tnLst>
-  </p:timing>
 </p:sld>
 </file>
 
@@ -5611,18 +5551,18 @@
           <a:p>
             <a:pPr algn="ctr"/>
             <a:r>
-              <a:rPr lang="en-GB" dirty="0" smtClean="0"/>
-              <a:t>Isis’</a:t>
+              <a:rPr lang="en-GB"/>
+              <a:t>Causeway’s</a:t>
             </a:r>
             <a:br>
-              <a:rPr lang="en-GB" dirty="0" smtClean="0"/>
+              <a:rPr lang="en-GB" dirty="0"/>
             </a:br>
             <a:r>
-              <a:rPr lang="en-GB" dirty="0" err="1" smtClean="0"/>
+              <a:rPr lang="en-GB" dirty="0" err="1"/>
               <a:t>AuthenticationManager</a:t>
             </a:r>
             <a:r>
-              <a:rPr lang="en-GB" dirty="0" smtClean="0"/>
+              <a:rPr lang="en-GB" dirty="0"/>
               <a:t> API</a:t>
             </a:r>
           </a:p>
@@ -5665,18 +5605,18 @@
           <a:p>
             <a:pPr algn="ctr"/>
             <a:r>
-              <a:rPr lang="en-GB" dirty="0" smtClean="0"/>
-              <a:t>Isis’</a:t>
+              <a:rPr lang="en-GB"/>
+              <a:t>Causeway’s</a:t>
             </a:r>
             <a:br>
-              <a:rPr lang="en-GB" dirty="0" smtClean="0"/>
+              <a:rPr lang="en-GB" dirty="0"/>
             </a:br>
             <a:r>
-              <a:rPr lang="en-GB" dirty="0" err="1" smtClean="0"/>
+              <a:rPr lang="en-GB" dirty="0" err="1"/>
               <a:t>AuthorizationManager</a:t>
             </a:r>
             <a:r>
-              <a:rPr lang="en-GB" dirty="0" smtClean="0"/>
+              <a:rPr lang="en-GB" dirty="0"/>
               <a:t> API</a:t>
             </a:r>
           </a:p>
@@ -5719,21 +5659,16 @@
           <a:p>
             <a:pPr algn="ctr"/>
             <a:r>
-              <a:rPr lang="en-GB" dirty="0" err="1" smtClean="0"/>
+              <a:rPr lang="en-GB" dirty="0" err="1"/>
               <a:t>Shiro’s</a:t>
-            </a:r>
-            <a:r>
-              <a:rPr lang="en-GB" dirty="0"/>
-              <a:t/>
             </a:r>
             <a:br>
               <a:rPr lang="en-GB" dirty="0"/>
             </a:br>
             <a:r>
-              <a:rPr lang="en-GB" dirty="0" smtClean="0"/>
+              <a:rPr lang="en-GB" dirty="0"/>
               <a:t>Realm API</a:t>
             </a:r>
-            <a:endParaRPr lang="en-GB" dirty="0"/>
           </a:p>
         </p:txBody>
       </p:sp>
@@ -5774,20 +5709,15 @@
           <a:p>
             <a:pPr algn="ctr"/>
             <a:r>
-              <a:rPr lang="en-GB" dirty="0" smtClean="0"/>
-              <a:t>Isis </a:t>
-            </a:r>
-            <a:r>
-              <a:rPr lang="en-GB" dirty="0" err="1" smtClean="0"/>
-              <a:t>Addons</a:t>
-            </a:r>
-            <a:r>
-              <a:rPr lang="en-GB" dirty="0" smtClean="0"/>
-              <a:t>’ </a:t>
-            </a:r>
-            <a:r>
-              <a:rPr lang="en-GB" dirty="0" err="1" smtClean="0"/>
-              <a:t>IsisModuleSecurityRealm</a:t>
+              <a:rPr lang="en-GB"/>
+              <a:t>CausewayModuleExtSecman</a:t>
+            </a:r>
+            <a:br>
+              <a:rPr lang="en-GB"/>
+            </a:br>
+            <a:r>
+              <a:rPr lang="en-GB"/>
+              <a:t>ShiroRealm</a:t>
             </a:r>
             <a:endParaRPr lang="en-GB" dirty="0"/>
           </a:p>
@@ -5830,18 +5760,18 @@
           <a:p>
             <a:pPr algn="ctr"/>
             <a:r>
-              <a:rPr lang="en-GB" dirty="0" smtClean="0"/>
-              <a:t>Isis’</a:t>
+              <a:rPr lang="en-GB"/>
+              <a:t>Causeway’s</a:t>
             </a:r>
             <a:br>
-              <a:rPr lang="en-GB" dirty="0" smtClean="0"/>
+              <a:rPr lang="en-GB" dirty="0"/>
             </a:br>
             <a:r>
-              <a:rPr lang="en-GB" dirty="0" smtClean="0"/>
+              <a:rPr lang="en-GB" dirty="0"/>
               <a:t> </a:t>
             </a:r>
             <a:r>
-              <a:rPr lang="en-GB" dirty="0" err="1" smtClean="0"/>
+              <a:rPr lang="en-GB" dirty="0" err="1"/>
               <a:t>ShiroAuthenticatorOrAuthorizor</a:t>
             </a:r>
             <a:endParaRPr lang="en-GB" dirty="0"/>
@@ -5885,17 +5815,16 @@
           <a:p>
             <a:pPr algn="ctr"/>
             <a:r>
-              <a:rPr lang="en-GB" sz="1400" i="1" dirty="0" smtClean="0"/>
+              <a:rPr lang="en-GB" sz="1400" i="1" dirty="0"/>
               <a:t>&lt;&lt;request-scoped&gt;&gt;</a:t>
             </a:r>
             <a:br>
-              <a:rPr lang="en-GB" sz="1400" i="1" dirty="0" smtClean="0"/>
+              <a:rPr lang="en-GB" sz="1400" i="1" dirty="0"/>
             </a:br>
             <a:r>
-              <a:rPr lang="en-GB" dirty="0" smtClean="0"/>
+              <a:rPr lang="en-GB" dirty="0"/>
               <a:t>Subject</a:t>
             </a:r>
-            <a:endParaRPr lang="en-GB" dirty="0"/>
           </a:p>
         </p:txBody>
       </p:sp>
@@ -5907,7 +5836,7 @@
         </p:nvSpPr>
         <p:spPr>
           <a:xfrm>
-            <a:off x="539552" y="4509120"/>
+            <a:off x="539552" y="4653136"/>
             <a:ext cx="864096" cy="864096"/>
           </a:xfrm>
           <a:prstGeom prst="flowChartMagneticDisk">
@@ -5934,7 +5863,7 @@
           <a:p>
             <a:pPr algn="ctr"/>
             <a:r>
-              <a:rPr lang="en-GB" dirty="0" smtClean="0"/>
+              <a:rPr lang="en-GB" dirty="0"/>
               <a:t>LDAP</a:t>
             </a:r>
           </a:p>
@@ -5977,8 +5906,15 @@
           <a:p>
             <a:pPr algn="ctr"/>
             <a:r>
-              <a:rPr lang="en-GB" dirty="0" err="1" smtClean="0"/>
-              <a:t>IsisLdapRealm</a:t>
+              <a:rPr lang="en-GB"/>
+              <a:t>Causeway</a:t>
+            </a:r>
+            <a:br>
+              <a:rPr lang="en-GB"/>
+            </a:br>
+            <a:r>
+              <a:rPr lang="en-GB"/>
+              <a:t>LdapRealm</a:t>
             </a:r>
             <a:endParaRPr lang="en-GB" dirty="0"/>
           </a:p>
@@ -6018,7 +5954,7 @@
           <a:lstStyle/>
           <a:p>
             <a:pPr algn="ctr"/>
-            <a:endParaRPr lang="en-GB" dirty="0" smtClean="0"/>
+            <a:endParaRPr lang="en-GB" dirty="0"/>
           </a:p>
         </p:txBody>
       </p:sp>
@@ -6045,10 +5981,9 @@
           <a:lstStyle/>
           <a:p>
             <a:r>
-              <a:rPr lang="en-GB" dirty="0" smtClean="0"/>
+              <a:rPr lang="en-GB" dirty="0"/>
               <a:t>RDBMS</a:t>
             </a:r>
-            <a:endParaRPr lang="en-GB" dirty="0"/>
           </a:p>
         </p:txBody>
       </p:sp>
@@ -6087,7 +6022,7 @@
           <a:p>
             <a:pPr algn="ctr"/>
             <a:r>
-              <a:rPr lang="en-GB" sz="1600" dirty="0" err="1" smtClean="0"/>
+              <a:rPr lang="en-GB" sz="1600" dirty="0" err="1"/>
               <a:t>Passwd</a:t>
             </a:r>
             <a:endParaRPr lang="en-GB" sz="1600" dirty="0"/>
@@ -6129,10 +6064,9 @@
           <a:p>
             <a:pPr algn="ctr"/>
             <a:r>
-              <a:rPr lang="en-GB" dirty="0" smtClean="0"/>
+              <a:rPr lang="en-GB" dirty="0"/>
               <a:t>User</a:t>
             </a:r>
-            <a:endParaRPr lang="en-GB" dirty="0"/>
           </a:p>
         </p:txBody>
       </p:sp>
@@ -6171,10 +6105,9 @@
           <a:p>
             <a:pPr algn="ctr"/>
             <a:r>
-              <a:rPr lang="en-GB" dirty="0" smtClean="0"/>
+              <a:rPr lang="en-GB" dirty="0"/>
               <a:t>Role</a:t>
             </a:r>
-            <a:endParaRPr lang="en-GB" dirty="0"/>
           </a:p>
         </p:txBody>
       </p:sp>
@@ -6213,10 +6146,9 @@
           <a:p>
             <a:pPr algn="ctr"/>
             <a:r>
-              <a:rPr lang="en-GB" dirty="0" smtClean="0"/>
+              <a:rPr lang="en-GB" dirty="0"/>
               <a:t>Perms</a:t>
             </a:r>
-            <a:endParaRPr lang="en-GB" dirty="0"/>
           </a:p>
         </p:txBody>
       </p:sp>
@@ -6462,7 +6394,7 @@
         </p:nvSpPr>
         <p:spPr>
           <a:xfrm flipV="1">
-            <a:off x="827584" y="4066220"/>
+            <a:off x="827584" y="4210236"/>
             <a:ext cx="432048" cy="612068"/>
           </a:xfrm>
           <a:prstGeom prst="upDownArrow">
@@ -6540,13 +6472,6 @@
   <p:clrMapOvr>
     <a:masterClrMapping/>
   </p:clrMapOvr>
-  <p:timing>
-    <p:tnLst>
-      <p:par>
-        <p:cTn id="1" dur="indefinite" restart="never" nodeType="tmRoot"/>
-      </p:par>
-    </p:tnLst>
-  </p:timing>
 </p:sld>
 </file>
 
@@ -6604,18 +6529,18 @@
           <a:p>
             <a:pPr algn="ctr"/>
             <a:r>
-              <a:rPr lang="en-GB" dirty="0" smtClean="0"/>
-              <a:t>Isis’</a:t>
+              <a:rPr lang="en-GB"/>
+              <a:t>Causeway’s</a:t>
             </a:r>
             <a:br>
-              <a:rPr lang="en-GB" dirty="0" smtClean="0"/>
+              <a:rPr lang="en-GB" dirty="0"/>
             </a:br>
             <a:r>
-              <a:rPr lang="en-GB" dirty="0" err="1" smtClean="0"/>
+              <a:rPr lang="en-GB" dirty="0" err="1"/>
               <a:t>AuthenticationManager</a:t>
             </a:r>
             <a:r>
-              <a:rPr lang="en-GB" dirty="0" smtClean="0"/>
+              <a:rPr lang="en-GB" dirty="0"/>
               <a:t> API</a:t>
             </a:r>
           </a:p>
@@ -6658,18 +6583,18 @@
           <a:p>
             <a:pPr algn="ctr"/>
             <a:r>
-              <a:rPr lang="en-GB" dirty="0" smtClean="0"/>
-              <a:t>Isis’</a:t>
+              <a:rPr lang="en-GB"/>
+              <a:t>Causeway’s</a:t>
             </a:r>
             <a:br>
-              <a:rPr lang="en-GB" dirty="0" smtClean="0"/>
+              <a:rPr lang="en-GB" dirty="0"/>
             </a:br>
             <a:r>
-              <a:rPr lang="en-GB" dirty="0" err="1" smtClean="0"/>
+              <a:rPr lang="en-GB" dirty="0" err="1"/>
               <a:t>AuthorizationManager</a:t>
             </a:r>
             <a:r>
-              <a:rPr lang="en-GB" dirty="0" smtClean="0"/>
+              <a:rPr lang="en-GB" dirty="0"/>
               <a:t> API</a:t>
             </a:r>
           </a:p>
@@ -6712,21 +6637,16 @@
           <a:p>
             <a:pPr algn="ctr"/>
             <a:r>
-              <a:rPr lang="en-GB" dirty="0" err="1" smtClean="0"/>
+              <a:rPr lang="en-GB" dirty="0" err="1"/>
               <a:t>Shiro’s</a:t>
-            </a:r>
-            <a:r>
-              <a:rPr lang="en-GB" dirty="0"/>
-              <a:t/>
             </a:r>
             <a:br>
               <a:rPr lang="en-GB" dirty="0"/>
             </a:br>
             <a:r>
-              <a:rPr lang="en-GB" dirty="0" smtClean="0"/>
+              <a:rPr lang="en-GB" dirty="0"/>
               <a:t>Realm API</a:t>
             </a:r>
-            <a:endParaRPr lang="en-GB" dirty="0"/>
           </a:p>
         </p:txBody>
       </p:sp>
@@ -6767,21 +6687,16 @@
           <a:p>
             <a:pPr algn="ctr"/>
             <a:r>
-              <a:rPr lang="en-GB" smtClean="0"/>
+              <a:rPr lang="en-GB"/>
               <a:t>Shiro</a:t>
             </a:r>
-            <a:r>
-              <a:rPr lang="en-GB" dirty="0" smtClean="0"/>
-              <a:t/>
-            </a:r>
             <a:br>
-              <a:rPr lang="en-GB" dirty="0" smtClean="0"/>
+              <a:rPr lang="en-GB" dirty="0"/>
             </a:br>
             <a:r>
-              <a:rPr lang="en-GB" dirty="0" smtClean="0"/>
+              <a:rPr lang="en-GB" dirty="0"/>
               <a:t>JDBC Realm</a:t>
             </a:r>
-            <a:endParaRPr lang="en-GB" dirty="0"/>
           </a:p>
         </p:txBody>
       </p:sp>
@@ -6822,18 +6737,18 @@
           <a:p>
             <a:pPr algn="ctr"/>
             <a:r>
-              <a:rPr lang="en-GB" dirty="0" smtClean="0"/>
-              <a:t>Isis’</a:t>
+              <a:rPr lang="en-GB"/>
+              <a:t>Causeway’s</a:t>
             </a:r>
             <a:br>
-              <a:rPr lang="en-GB" dirty="0" smtClean="0"/>
+              <a:rPr lang="en-GB" dirty="0"/>
             </a:br>
             <a:r>
-              <a:rPr lang="en-GB" dirty="0" smtClean="0"/>
+              <a:rPr lang="en-GB" dirty="0"/>
               <a:t> </a:t>
             </a:r>
             <a:r>
-              <a:rPr lang="en-GB" dirty="0" err="1" smtClean="0"/>
+              <a:rPr lang="en-GB" dirty="0" err="1"/>
               <a:t>ShiroAuthenticatorOrAuthorizor</a:t>
             </a:r>
             <a:endParaRPr lang="en-GB" dirty="0"/>
@@ -6877,17 +6792,16 @@
           <a:p>
             <a:pPr algn="ctr"/>
             <a:r>
-              <a:rPr lang="en-GB" sz="1400" i="1" dirty="0" smtClean="0"/>
+              <a:rPr lang="en-GB" sz="1400" i="1" dirty="0"/>
               <a:t>&lt;&lt;request-scoped&gt;&gt;</a:t>
             </a:r>
             <a:br>
-              <a:rPr lang="en-GB" sz="1400" i="1" dirty="0" smtClean="0"/>
+              <a:rPr lang="en-GB" sz="1400" i="1" dirty="0"/>
             </a:br>
             <a:r>
-              <a:rPr lang="en-GB" dirty="0" smtClean="0"/>
+              <a:rPr lang="en-GB" dirty="0"/>
               <a:t>Subject</a:t>
             </a:r>
-            <a:endParaRPr lang="en-GB" dirty="0"/>
           </a:p>
         </p:txBody>
       </p:sp>
@@ -6925,7 +6839,7 @@
           <a:lstStyle/>
           <a:p>
             <a:pPr algn="ctr"/>
-            <a:endParaRPr lang="en-GB" dirty="0" smtClean="0"/>
+            <a:endParaRPr lang="en-GB" dirty="0"/>
           </a:p>
         </p:txBody>
       </p:sp>
@@ -6952,10 +6866,9 @@
           <a:lstStyle/>
           <a:p>
             <a:r>
-              <a:rPr lang="en-GB" dirty="0" smtClean="0"/>
+              <a:rPr lang="en-GB" dirty="0"/>
               <a:t>RDBMS</a:t>
             </a:r>
-            <a:endParaRPr lang="en-GB" dirty="0"/>
           </a:p>
         </p:txBody>
       </p:sp>
@@ -7203,13 +7116,6 @@
   <p:clrMapOvr>
     <a:masterClrMapping/>
   </p:clrMapOvr>
-  <p:timing>
-    <p:tnLst>
-      <p:par>
-        <p:cTn id="1" dur="indefinite" restart="never" nodeType="tmRoot"/>
-      </p:par>
-    </p:tnLst>
-  </p:timing>
 </p:sld>
 </file>
 
@@ -7267,18 +7173,18 @@
           <a:p>
             <a:pPr algn="ctr"/>
             <a:r>
-              <a:rPr lang="en-GB" dirty="0" smtClean="0"/>
-              <a:t>Isis’</a:t>
+              <a:rPr lang="en-GB"/>
+              <a:t>Causeway’s</a:t>
             </a:r>
             <a:br>
-              <a:rPr lang="en-GB" dirty="0" smtClean="0"/>
+              <a:rPr lang="en-GB" dirty="0"/>
             </a:br>
             <a:r>
-              <a:rPr lang="en-GB" dirty="0" err="1" smtClean="0"/>
+              <a:rPr lang="en-GB" dirty="0" err="1"/>
               <a:t>AuthenticationManager</a:t>
             </a:r>
             <a:r>
-              <a:rPr lang="en-GB" dirty="0" smtClean="0"/>
+              <a:rPr lang="en-GB" dirty="0"/>
               <a:t> API</a:t>
             </a:r>
           </a:p>
@@ -7321,18 +7227,18 @@
           <a:p>
             <a:pPr algn="ctr"/>
             <a:r>
-              <a:rPr lang="en-GB" dirty="0" smtClean="0"/>
-              <a:t>Isis’</a:t>
+              <a:rPr lang="en-GB"/>
+              <a:t>Causeway’s</a:t>
             </a:r>
             <a:br>
-              <a:rPr lang="en-GB" dirty="0" smtClean="0"/>
+              <a:rPr lang="en-GB" dirty="0"/>
             </a:br>
             <a:r>
-              <a:rPr lang="en-GB" dirty="0" err="1" smtClean="0"/>
+              <a:rPr lang="en-GB" dirty="0" err="1"/>
               <a:t>AuthorizationManager</a:t>
             </a:r>
             <a:r>
-              <a:rPr lang="en-GB" dirty="0" smtClean="0"/>
+              <a:rPr lang="en-GB" dirty="0"/>
               <a:t> API</a:t>
             </a:r>
           </a:p>
@@ -7375,14 +7281,14 @@
           <a:p>
             <a:pPr algn="ctr"/>
             <a:r>
-              <a:rPr lang="en-GB" dirty="0" smtClean="0"/>
-              <a:t>Isis’</a:t>
+              <a:rPr lang="en-GB"/>
+              <a:t>Causeway’s</a:t>
             </a:r>
             <a:br>
-              <a:rPr lang="en-GB" dirty="0" smtClean="0"/>
+              <a:rPr lang="en-GB" dirty="0"/>
             </a:br>
             <a:r>
-              <a:rPr lang="en-GB" dirty="0" err="1" smtClean="0"/>
+              <a:rPr lang="en-GB" dirty="0" err="1"/>
               <a:t>ByPassAuthenticator</a:t>
             </a:r>
             <a:endParaRPr lang="en-GB" dirty="0"/>
@@ -7426,14 +7332,14 @@
           <a:p>
             <a:pPr algn="ctr"/>
             <a:r>
-              <a:rPr lang="en-GB" dirty="0" smtClean="0"/>
-              <a:t>Isis’</a:t>
+              <a:rPr lang="en-GB"/>
+              <a:t>Causeway’s</a:t>
             </a:r>
             <a:br>
-              <a:rPr lang="en-GB" dirty="0" smtClean="0"/>
+              <a:rPr lang="en-GB" dirty="0"/>
             </a:br>
             <a:r>
-              <a:rPr lang="en-GB" dirty="0" err="1" smtClean="0"/>
+              <a:rPr lang="en-GB" dirty="0" err="1"/>
               <a:t>ByPassAuthorizor</a:t>
             </a:r>
             <a:endParaRPr lang="en-GB" dirty="0"/>
@@ -7526,13 +7432,6 @@
   <p:clrMapOvr>
     <a:masterClrMapping/>
   </p:clrMapOvr>
-  <p:timing>
-    <p:tnLst>
-      <p:par>
-        <p:cTn id="1" dur="indefinite" restart="never" nodeType="tmRoot"/>
-      </p:par>
-    </p:tnLst>
-  </p:timing>
 </p:sld>
 </file>
 
